--- a/Documentation/Presentazione_CleanAirZone.pptx
+++ b/Documentation/Presentazione_CleanAirZone.pptx
@@ -122,6 +122,14 @@
     </p:ext>
   </p:extLst>
 </p:presentation>
+</file>
+
+<file path=ppt/revisionInfo.xml><?xml version="1.0" encoding="utf-8"?>
+<p1510:revInfo xmlns:a="http://schemas.openxmlformats.org/drawingml/2006/main" xmlns:r="http://schemas.openxmlformats.org/officeDocument/2006/relationships" xmlns:p1510="http://schemas.microsoft.com/office/powerpoint/2015/10/main">
+  <p1510:revLst>
+    <p1510:client id="{7319E739-418C-D846-BF4A-DFADBDF6FDAD}" v="3" dt="2022-06-28T10:47:12.438"/>
+  </p1510:revLst>
+</p1510:revInfo>
 </file>
 
 <file path=ppt/slideLayouts/slideLayout1.xml><?xml version="1.0" encoding="utf-8"?>
@@ -4024,6 +4032,35 @@
           </a:prstGeom>
         </p:spPr>
       </p:pic>
+      <p:pic>
+        <p:nvPicPr>
+          <p:cNvPr id="6" name="Immagine 5">
+            <a:extLst>
+              <a:ext uri="{FF2B5EF4-FFF2-40B4-BE49-F238E27FC236}">
+                <a16:creationId xmlns:a16="http://schemas.microsoft.com/office/drawing/2014/main" id="{99876C40-D6E8-02A9-7527-854047599A16}"/>
+              </a:ext>
+            </a:extLst>
+          </p:cNvPr>
+          <p:cNvPicPr>
+            <a:picLocks noChangeAspect="1"/>
+          </p:cNvPicPr>
+          <p:nvPr/>
+        </p:nvPicPr>
+        <p:blipFill rotWithShape="1">
+          <a:blip r:embed="rId5"/>
+          <a:srcRect l="7351" t="7536" r="6769" b="6037"/>
+          <a:stretch/>
+        </p:blipFill>
+        <p:spPr>
+          <a:xfrm>
+            <a:off x="2814638" y="4081413"/>
+            <a:ext cx="1457325" cy="1466607"/>
+          </a:xfrm>
+          <a:prstGeom prst="rect">
+            <a:avLst/>
+          </a:prstGeom>
+        </p:spPr>
+      </p:pic>
     </p:spTree>
     <p:extLst>
       <p:ext uri="{BB962C8B-B14F-4D97-AF65-F5344CB8AC3E}">
